--- a/Pull_Up_Method_Presentation.pptx
+++ b/Pull_Up_Method_Presentation.pptx
@@ -28,23 +28,23 @@
   <p:notesSz cx="6858000" cy="9144000"/>
   <p:embeddedFontLst>
     <p:embeddedFont>
-      <p:font typeface="Microsoft YaHei UI" panose="020B0503020204020204" pitchFamily="34" charset="-122"/>
-      <p:regular r:id="rId18"/>
-      <p:bold r:id="rId19"/>
+      <p:font typeface="Cascadia Code SemiBold" panose="020B0609020000020004" pitchFamily="49" charset="0"/>
+      <p:bold r:id="rId18"/>
+      <p:boldItalic r:id="rId19"/>
     </p:embeddedFont>
     <p:embeddedFont>
-      <p:font typeface="等线" panose="02010600030101010101" pitchFamily="2" charset="-122"/>
+      <p:font typeface="Microsoft YaHei UI" panose="020B0503020204020204" pitchFamily="34" charset="-122"/>
       <p:regular r:id="rId20"/>
       <p:bold r:id="rId21"/>
     </p:embeddedFont>
     <p:embeddedFont>
-      <p:font typeface="等线 Light" panose="02010600030101010101" pitchFamily="2" charset="-122"/>
+      <p:font typeface="等线" panose="02010600030101010101" pitchFamily="2" charset="-122"/>
       <p:regular r:id="rId22"/>
+      <p:bold r:id="rId23"/>
     </p:embeddedFont>
     <p:embeddedFont>
-      <p:font typeface="Cascadia Code SemiBold" panose="020B0609020000020004" pitchFamily="49" charset="0"/>
-      <p:bold r:id="rId23"/>
-      <p:boldItalic r:id="rId24"/>
+      <p:font typeface="等线 Light" panose="02010600030101010101" pitchFamily="2" charset="-122"/>
+      <p:regular r:id="rId24"/>
     </p:embeddedFont>
   </p:embeddedFontLst>
   <p:defaultTextStyle>
@@ -232,7 +232,7 @@
           <a:p>
             <a:fld id="{64DD3DD2-13C6-4CBC-9E19-AEDB015EC6A4}" type="datetimeFigureOut">
               <a:rPr lang="zh-CN" altLang="en-US" smtClean="0"/>
-              <a:t>2024/12/26</a:t>
+              <a:t>2025/1/5</a:t>
             </a:fld>
             <a:endParaRPr lang="zh-CN" altLang="en-US"/>
           </a:p>
@@ -730,7 +730,7 @@
           <a:p>
             <a:fld id="{5A9FF668-39A8-4F13-82FC-2CBFBADDB15E}" type="datetimeFigureOut">
               <a:rPr lang="zh-CN" altLang="en-US" smtClean="0"/>
-              <a:t>2024/12/26</a:t>
+              <a:t>2025/1/5</a:t>
             </a:fld>
             <a:endParaRPr lang="zh-CN" altLang="en-US"/>
           </a:p>
@@ -928,7 +928,7 @@
           <a:p>
             <a:fld id="{5A9FF668-39A8-4F13-82FC-2CBFBADDB15E}" type="datetimeFigureOut">
               <a:rPr lang="zh-CN" altLang="en-US" smtClean="0"/>
-              <a:t>2024/12/26</a:t>
+              <a:t>2025/1/5</a:t>
             </a:fld>
             <a:endParaRPr lang="zh-CN" altLang="en-US"/>
           </a:p>
@@ -1136,7 +1136,7 @@
           <a:p>
             <a:fld id="{5A9FF668-39A8-4F13-82FC-2CBFBADDB15E}" type="datetimeFigureOut">
               <a:rPr lang="zh-CN" altLang="en-US" smtClean="0"/>
-              <a:t>2024/12/26</a:t>
+              <a:t>2025/1/5</a:t>
             </a:fld>
             <a:endParaRPr lang="zh-CN" altLang="en-US"/>
           </a:p>
@@ -1334,7 +1334,7 @@
           <a:p>
             <a:fld id="{5A9FF668-39A8-4F13-82FC-2CBFBADDB15E}" type="datetimeFigureOut">
               <a:rPr lang="zh-CN" altLang="en-US" smtClean="0"/>
-              <a:t>2024/12/26</a:t>
+              <a:t>2025/1/5</a:t>
             </a:fld>
             <a:endParaRPr lang="zh-CN" altLang="en-US"/>
           </a:p>
@@ -1609,7 +1609,7 @@
           <a:p>
             <a:fld id="{5A9FF668-39A8-4F13-82FC-2CBFBADDB15E}" type="datetimeFigureOut">
               <a:rPr lang="zh-CN" altLang="en-US" smtClean="0"/>
-              <a:t>2024/12/26</a:t>
+              <a:t>2025/1/5</a:t>
             </a:fld>
             <a:endParaRPr lang="zh-CN" altLang="en-US"/>
           </a:p>
@@ -1874,7 +1874,7 @@
           <a:p>
             <a:fld id="{5A9FF668-39A8-4F13-82FC-2CBFBADDB15E}" type="datetimeFigureOut">
               <a:rPr lang="zh-CN" altLang="en-US" smtClean="0"/>
-              <a:t>2024/12/26</a:t>
+              <a:t>2025/1/5</a:t>
             </a:fld>
             <a:endParaRPr lang="zh-CN" altLang="en-US"/>
           </a:p>
@@ -2286,7 +2286,7 @@
           <a:p>
             <a:fld id="{5A9FF668-39A8-4F13-82FC-2CBFBADDB15E}" type="datetimeFigureOut">
               <a:rPr lang="zh-CN" altLang="en-US" smtClean="0"/>
-              <a:t>2024/12/26</a:t>
+              <a:t>2025/1/5</a:t>
             </a:fld>
             <a:endParaRPr lang="zh-CN" altLang="en-US"/>
           </a:p>
@@ -2427,7 +2427,7 @@
           <a:p>
             <a:fld id="{5A9FF668-39A8-4F13-82FC-2CBFBADDB15E}" type="datetimeFigureOut">
               <a:rPr lang="zh-CN" altLang="en-US" smtClean="0"/>
-              <a:t>2024/12/26</a:t>
+              <a:t>2025/1/5</a:t>
             </a:fld>
             <a:endParaRPr lang="zh-CN" altLang="en-US"/>
           </a:p>
@@ -2540,7 +2540,7 @@
           <a:p>
             <a:fld id="{5A9FF668-39A8-4F13-82FC-2CBFBADDB15E}" type="datetimeFigureOut">
               <a:rPr lang="zh-CN" altLang="en-US" smtClean="0"/>
-              <a:t>2024/12/26</a:t>
+              <a:t>2025/1/5</a:t>
             </a:fld>
             <a:endParaRPr lang="zh-CN" altLang="en-US"/>
           </a:p>
@@ -2851,7 +2851,7 @@
           <a:p>
             <a:fld id="{5A9FF668-39A8-4F13-82FC-2CBFBADDB15E}" type="datetimeFigureOut">
               <a:rPr lang="zh-CN" altLang="en-US" smtClean="0"/>
-              <a:t>2024/12/26</a:t>
+              <a:t>2025/1/5</a:t>
             </a:fld>
             <a:endParaRPr lang="zh-CN" altLang="en-US"/>
           </a:p>
@@ -3139,7 +3139,7 @@
           <a:p>
             <a:fld id="{5A9FF668-39A8-4F13-82FC-2CBFBADDB15E}" type="datetimeFigureOut">
               <a:rPr lang="zh-CN" altLang="en-US" smtClean="0"/>
-              <a:t>2024/12/26</a:t>
+              <a:t>2025/1/5</a:t>
             </a:fld>
             <a:endParaRPr lang="zh-CN" altLang="en-US"/>
           </a:p>
@@ -3380,7 +3380,7 @@
           <a:p>
             <a:fld id="{5A9FF668-39A8-4F13-82FC-2CBFBADDB15E}" type="datetimeFigureOut">
               <a:rPr lang="zh-CN" altLang="en-US" smtClean="0"/>
-              <a:t>2024/12/26</a:t>
+              <a:t>2025/1/5</a:t>
             </a:fld>
             <a:endParaRPr lang="zh-CN" altLang="en-US"/>
           </a:p>
@@ -4247,7 +4247,7 @@
                 <a:latin typeface="Microsoft YaHei UI" panose="020B0503020204020204" pitchFamily="34" charset="-122"/>
                 <a:ea typeface="Microsoft YaHei UI" panose="020B0503020204020204" pitchFamily="34" charset="-122"/>
               </a:rPr>
-              <a:t>2242843 </a:t>
+              <a:t>2252843 </a:t>
             </a:r>
             <a:r>
               <a:rPr lang="zh-CN" altLang="en-US" sz="1600" dirty="0">

--- a/Pull_Up_Method_Presentation.pptx
+++ b/Pull_Up_Method_Presentation.pptx
@@ -232,7 +232,7 @@
           <a:p>
             <a:fld id="{64DD3DD2-13C6-4CBC-9E19-AEDB015EC6A4}" type="datetimeFigureOut">
               <a:rPr lang="zh-CN" altLang="en-US" smtClean="0"/>
-              <a:t>2025/1/5</a:t>
+              <a:t>2025/1/6</a:t>
             </a:fld>
             <a:endParaRPr lang="zh-CN" altLang="en-US"/>
           </a:p>
@@ -730,7 +730,7 @@
           <a:p>
             <a:fld id="{5A9FF668-39A8-4F13-82FC-2CBFBADDB15E}" type="datetimeFigureOut">
               <a:rPr lang="zh-CN" altLang="en-US" smtClean="0"/>
-              <a:t>2025/1/5</a:t>
+              <a:t>2025/1/6</a:t>
             </a:fld>
             <a:endParaRPr lang="zh-CN" altLang="en-US"/>
           </a:p>
@@ -928,7 +928,7 @@
           <a:p>
             <a:fld id="{5A9FF668-39A8-4F13-82FC-2CBFBADDB15E}" type="datetimeFigureOut">
               <a:rPr lang="zh-CN" altLang="en-US" smtClean="0"/>
-              <a:t>2025/1/5</a:t>
+              <a:t>2025/1/6</a:t>
             </a:fld>
             <a:endParaRPr lang="zh-CN" altLang="en-US"/>
           </a:p>
@@ -1136,7 +1136,7 @@
           <a:p>
             <a:fld id="{5A9FF668-39A8-4F13-82FC-2CBFBADDB15E}" type="datetimeFigureOut">
               <a:rPr lang="zh-CN" altLang="en-US" smtClean="0"/>
-              <a:t>2025/1/5</a:t>
+              <a:t>2025/1/6</a:t>
             </a:fld>
             <a:endParaRPr lang="zh-CN" altLang="en-US"/>
           </a:p>
@@ -1334,7 +1334,7 @@
           <a:p>
             <a:fld id="{5A9FF668-39A8-4F13-82FC-2CBFBADDB15E}" type="datetimeFigureOut">
               <a:rPr lang="zh-CN" altLang="en-US" smtClean="0"/>
-              <a:t>2025/1/5</a:t>
+              <a:t>2025/1/6</a:t>
             </a:fld>
             <a:endParaRPr lang="zh-CN" altLang="en-US"/>
           </a:p>
@@ -1609,7 +1609,7 @@
           <a:p>
             <a:fld id="{5A9FF668-39A8-4F13-82FC-2CBFBADDB15E}" type="datetimeFigureOut">
               <a:rPr lang="zh-CN" altLang="en-US" smtClean="0"/>
-              <a:t>2025/1/5</a:t>
+              <a:t>2025/1/6</a:t>
             </a:fld>
             <a:endParaRPr lang="zh-CN" altLang="en-US"/>
           </a:p>
@@ -1874,7 +1874,7 @@
           <a:p>
             <a:fld id="{5A9FF668-39A8-4F13-82FC-2CBFBADDB15E}" type="datetimeFigureOut">
               <a:rPr lang="zh-CN" altLang="en-US" smtClean="0"/>
-              <a:t>2025/1/5</a:t>
+              <a:t>2025/1/6</a:t>
             </a:fld>
             <a:endParaRPr lang="zh-CN" altLang="en-US"/>
           </a:p>
@@ -2286,7 +2286,7 @@
           <a:p>
             <a:fld id="{5A9FF668-39A8-4F13-82FC-2CBFBADDB15E}" type="datetimeFigureOut">
               <a:rPr lang="zh-CN" altLang="en-US" smtClean="0"/>
-              <a:t>2025/1/5</a:t>
+              <a:t>2025/1/6</a:t>
             </a:fld>
             <a:endParaRPr lang="zh-CN" altLang="en-US"/>
           </a:p>
@@ -2427,7 +2427,7 @@
           <a:p>
             <a:fld id="{5A9FF668-39A8-4F13-82FC-2CBFBADDB15E}" type="datetimeFigureOut">
               <a:rPr lang="zh-CN" altLang="en-US" smtClean="0"/>
-              <a:t>2025/1/5</a:t>
+              <a:t>2025/1/6</a:t>
             </a:fld>
             <a:endParaRPr lang="zh-CN" altLang="en-US"/>
           </a:p>
@@ -2540,7 +2540,7 @@
           <a:p>
             <a:fld id="{5A9FF668-39A8-4F13-82FC-2CBFBADDB15E}" type="datetimeFigureOut">
               <a:rPr lang="zh-CN" altLang="en-US" smtClean="0"/>
-              <a:t>2025/1/5</a:t>
+              <a:t>2025/1/6</a:t>
             </a:fld>
             <a:endParaRPr lang="zh-CN" altLang="en-US"/>
           </a:p>
@@ -2851,7 +2851,7 @@
           <a:p>
             <a:fld id="{5A9FF668-39A8-4F13-82FC-2CBFBADDB15E}" type="datetimeFigureOut">
               <a:rPr lang="zh-CN" altLang="en-US" smtClean="0"/>
-              <a:t>2025/1/5</a:t>
+              <a:t>2025/1/6</a:t>
             </a:fld>
             <a:endParaRPr lang="zh-CN" altLang="en-US"/>
           </a:p>
@@ -3139,7 +3139,7 @@
           <a:p>
             <a:fld id="{5A9FF668-39A8-4F13-82FC-2CBFBADDB15E}" type="datetimeFigureOut">
               <a:rPr lang="zh-CN" altLang="en-US" smtClean="0"/>
-              <a:t>2025/1/5</a:t>
+              <a:t>2025/1/6</a:t>
             </a:fld>
             <a:endParaRPr lang="zh-CN" altLang="en-US"/>
           </a:p>
@@ -3380,7 +3380,7 @@
           <a:p>
             <a:fld id="{5A9FF668-39A8-4F13-82FC-2CBFBADDB15E}" type="datetimeFigureOut">
               <a:rPr lang="zh-CN" altLang="en-US" smtClean="0"/>
-              <a:t>2025/1/5</a:t>
+              <a:t>2025/1/6</a:t>
             </a:fld>
             <a:endParaRPr lang="zh-CN" altLang="en-US"/>
           </a:p>
@@ -6478,6 +6478,17 @@
               <a:buChar char="Ø"/>
             </a:pPr>
             <a:r>
+              <a:rPr lang="en-US" altLang="zh-CN" b="1">
+                <a:solidFill>
+                  <a:srgbClr val="C00000"/>
+                </a:solidFill>
+                <a:effectLst/>
+                <a:latin typeface="Microsoft YaHei UI" panose="020B0503020204020204" pitchFamily="34" charset="-122"/>
+                <a:ea typeface="Microsoft YaHei UI" panose="020B0503020204020204" pitchFamily="34" charset="-122"/>
+              </a:rPr>
+              <a:t>Additional </a:t>
+            </a:r>
+            <a:r>
               <a:rPr lang="en-US" altLang="zh-CN" b="1" dirty="0">
                 <a:solidFill>
                   <a:srgbClr val="C00000"/>
@@ -6486,29 +6497,7 @@
                 <a:latin typeface="Microsoft YaHei UI" panose="020B0503020204020204" pitchFamily="34" charset="-122"/>
                 <a:ea typeface="Microsoft YaHei UI" panose="020B0503020204020204" pitchFamily="34" charset="-122"/>
               </a:rPr>
-              <a:t>Improved </a:t>
-            </a:r>
-            <a:r>
-              <a:rPr lang="en-US" altLang="zh-CN" b="1" dirty="0" err="1">
-                <a:solidFill>
-                  <a:srgbClr val="C00000"/>
-                </a:solidFill>
-                <a:effectLst/>
-                <a:latin typeface="Microsoft YaHei UI" panose="020B0503020204020204" pitchFamily="34" charset="-122"/>
-                <a:ea typeface="Microsoft YaHei UI" panose="020B0503020204020204" pitchFamily="34" charset="-122"/>
-              </a:rPr>
-              <a:t>scalabilAdditional</a:t>
-            </a:r>
-            <a:r>
-              <a:rPr lang="en-US" altLang="zh-CN" b="1" dirty="0">
-                <a:solidFill>
-                  <a:srgbClr val="C00000"/>
-                </a:solidFill>
-                <a:effectLst/>
-                <a:latin typeface="Microsoft YaHei UI" panose="020B0503020204020204" pitchFamily="34" charset="-122"/>
-                <a:ea typeface="Microsoft YaHei UI" panose="020B0503020204020204" pitchFamily="34" charset="-122"/>
-              </a:rPr>
-              <a:t> time and effort for refactoring and testing : </a:t>
+              <a:t>time and effort for refactoring and testing : </a:t>
             </a:r>
             <a:r>
               <a:rPr lang="en-US" altLang="zh-CN" dirty="0">
